--- a/Программа поиска запрещённых слов.pptx
+++ b/Программа поиска запрещённых слов.pptx
@@ -4647,8 +4647,14 @@
           </a:p>
           <a:p>
             <a:r>
-              <a:rPr lang="ru-RU"/>
+              <a:rPr lang="ru-RU" dirty="0"/>
               <a:t>Многопоточность</a:t>
+            </a:r>
+          </a:p>
+          <a:p>
+            <a:r>
+              <a:rPr lang="ru-RU"/>
+              <a:t>Асинхронность</a:t>
             </a:r>
             <a:endParaRPr lang="ru-RU" dirty="0"/>
           </a:p>
